--- a/downloads/CFG_PitchDeck_v2.pptx
+++ b/downloads/CFG_PitchDeck_v2.pptx
@@ -3158,8 +3158,8 @@
         </p:blipFill>
         <p:spPr>
           <a:xfrm>
-            <a:off x="6583680" y="457200"/>
-            <a:ext cx="1645920" cy="2468880"/>
+            <a:off x="6675120" y="1371600"/>
+            <a:ext cx="2011680" cy="2468880"/>
           </a:xfrm>
           <a:prstGeom prst="rect">
             <a:avLst/>

--- a/downloads/CFG_PitchDeck_v2.pptx
+++ b/downloads/CFG_PitchDeck_v2.pptx
@@ -3158,8 +3158,8 @@
         </p:blipFill>
         <p:spPr>
           <a:xfrm>
-            <a:off x="6675120" y="1371600"/>
-            <a:ext cx="2011680" cy="2468880"/>
+            <a:off x="6583680" y="457200"/>
+            <a:ext cx="1645920" cy="2468880"/>
           </a:xfrm>
           <a:prstGeom prst="rect">
             <a:avLst/>

--- a/downloads/CFG_PitchDeck_v2.pptx
+++ b/downloads/CFG_PitchDeck_v2.pptx
@@ -5,14 +5,14 @@
     <p:sldMasterId id="2147483648" r:id="rId1"/>
   </p:sldMasterIdLst>
   <p:sldIdLst>
-    <p:sldId id="256" r:id="rId7"/>
-    <p:sldId id="257" r:id="rId8"/>
-    <p:sldId id="258" r:id="rId9"/>
-    <p:sldId id="259" r:id="rId10"/>
-    <p:sldId id="260" r:id="rId11"/>
-    <p:sldId id="261" r:id="rId12"/>
-    <p:sldId id="262" r:id="rId13"/>
-    <p:sldId id="263" r:id="rId14"/>
+    <p:sldId id="256" r:id="rId2"/>
+    <p:sldId id="257" r:id="rId3"/>
+    <p:sldId id="258" r:id="rId4"/>
+    <p:sldId id="259" r:id="rId5"/>
+    <p:sldId id="260" r:id="rId6"/>
+    <p:sldId id="261" r:id="rId7"/>
+    <p:sldId id="262" r:id="rId8"/>
+    <p:sldId id="263" r:id="rId9"/>
   </p:sldIdLst>
   <p:sldSz cx="9144000" cy="6858000" type="screen4x3"/>
   <p:notesSz cx="6858000" cy="9144000"/>
@@ -111,6 +111,22 @@
       </a:defRPr>
     </a:lvl9pPr>
   </p:defaultTextStyle>
+  <p:extLst>
+    <p:ext uri="{EFAFB233-063F-42B5-8137-9DF3F51BA10A}">
+      <p15:sldGuideLst xmlns:p15="http://schemas.microsoft.com/office/powerpoint/2012/main">
+        <p15:guide id="1" orient="horz" pos="2160">
+          <p15:clr>
+            <a:srgbClr val="A4A3A4"/>
+          </p15:clr>
+        </p15:guide>
+        <p15:guide id="2" pos="2880">
+          <p15:clr>
+            <a:srgbClr val="A4A3A4"/>
+          </p15:clr>
+        </p15:guide>
+      </p15:sldGuideLst>
+    </p:ext>
+  </p:extLst>
 </p:presentation>
 </file>
 
@@ -152,10 +168,9 @@
           <a:lstStyle/>
           <a:p>
             <a:r>
-              <a:rPr lang="en-US" smtClean="0"/>
+              <a:rPr lang="en-US"/>
               <a:t>Click to edit Master title style</a:t>
             </a:r>
-            <a:endParaRPr lang="en-US"/>
           </a:p>
         </p:txBody>
       </p:sp>
@@ -271,10 +286,9 @@
           </a:lstStyle>
           <a:p>
             <a:r>
-              <a:rPr lang="en-US" smtClean="0"/>
+              <a:rPr lang="en-US"/>
               <a:t>Click to edit Master subtitle style</a:t>
             </a:r>
-            <a:endParaRPr lang="en-US"/>
           </a:p>
         </p:txBody>
       </p:sp>
@@ -295,7 +309,7 @@
           <a:p>
             <a:fld id="{5BCAD085-E8A6-8845-BD4E-CB4CCA059FC4}" type="datetimeFigureOut">
               <a:rPr lang="en-US" smtClean="0"/>
-              <a:t>1/27/13</a:t>
+              <a:t>9/17/2025</a:t>
             </a:fld>
             <a:endParaRPr lang="en-US"/>
           </a:p>
@@ -389,10 +403,9 @@
           <a:lstStyle/>
           <a:p>
             <a:r>
-              <a:rPr lang="en-US" smtClean="0"/>
+              <a:rPr lang="en-US"/>
               <a:t>Click to edit Master title style</a:t>
             </a:r>
-            <a:endParaRPr lang="en-US"/>
           </a:p>
         </p:txBody>
       </p:sp>
@@ -413,38 +426,37 @@
           <a:p>
             <a:pPr lvl="0"/>
             <a:r>
-              <a:rPr lang="en-US" smtClean="0"/>
+              <a:rPr lang="en-US"/>
               <a:t>Click to edit Master text styles</a:t>
             </a:r>
           </a:p>
           <a:p>
             <a:pPr lvl="1"/>
             <a:r>
-              <a:rPr lang="en-US" smtClean="0"/>
+              <a:rPr lang="en-US"/>
               <a:t>Second level</a:t>
             </a:r>
           </a:p>
           <a:p>
             <a:pPr lvl="2"/>
             <a:r>
-              <a:rPr lang="en-US" smtClean="0"/>
+              <a:rPr lang="en-US"/>
               <a:t>Third level</a:t>
             </a:r>
           </a:p>
           <a:p>
             <a:pPr lvl="3"/>
             <a:r>
-              <a:rPr lang="en-US" smtClean="0"/>
+              <a:rPr lang="en-US"/>
               <a:t>Fourth level</a:t>
             </a:r>
           </a:p>
           <a:p>
             <a:pPr lvl="4"/>
             <a:r>
-              <a:rPr lang="en-US" smtClean="0"/>
+              <a:rPr lang="en-US"/>
               <a:t>Fifth level</a:t>
             </a:r>
-            <a:endParaRPr lang="en-US"/>
           </a:p>
         </p:txBody>
       </p:sp>
@@ -465,7 +477,7 @@
           <a:p>
             <a:fld id="{5BCAD085-E8A6-8845-BD4E-CB4CCA059FC4}" type="datetimeFigureOut">
               <a:rPr lang="en-US" smtClean="0"/>
-              <a:t>1/27/13</a:t>
+              <a:t>9/17/2025</a:t>
             </a:fld>
             <a:endParaRPr lang="en-US"/>
           </a:p>
@@ -564,10 +576,9 @@
           <a:lstStyle/>
           <a:p>
             <a:r>
-              <a:rPr lang="en-US" smtClean="0"/>
+              <a:rPr lang="en-US"/>
               <a:t>Click to edit Master title style</a:t>
             </a:r>
-            <a:endParaRPr lang="en-US"/>
           </a:p>
         </p:txBody>
       </p:sp>
@@ -593,38 +604,37 @@
           <a:p>
             <a:pPr lvl="0"/>
             <a:r>
-              <a:rPr lang="en-US" smtClean="0"/>
+              <a:rPr lang="en-US"/>
               <a:t>Click to edit Master text styles</a:t>
             </a:r>
           </a:p>
           <a:p>
             <a:pPr lvl="1"/>
             <a:r>
-              <a:rPr lang="en-US" smtClean="0"/>
+              <a:rPr lang="en-US"/>
               <a:t>Second level</a:t>
             </a:r>
           </a:p>
           <a:p>
             <a:pPr lvl="2"/>
             <a:r>
-              <a:rPr lang="en-US" smtClean="0"/>
+              <a:rPr lang="en-US"/>
               <a:t>Third level</a:t>
             </a:r>
           </a:p>
           <a:p>
             <a:pPr lvl="3"/>
             <a:r>
-              <a:rPr lang="en-US" smtClean="0"/>
+              <a:rPr lang="en-US"/>
               <a:t>Fourth level</a:t>
             </a:r>
           </a:p>
           <a:p>
             <a:pPr lvl="4"/>
             <a:r>
-              <a:rPr lang="en-US" smtClean="0"/>
+              <a:rPr lang="en-US"/>
               <a:t>Fifth level</a:t>
             </a:r>
-            <a:endParaRPr lang="en-US"/>
           </a:p>
         </p:txBody>
       </p:sp>
@@ -645,7 +655,7 @@
           <a:p>
             <a:fld id="{5BCAD085-E8A6-8845-BD4E-CB4CCA059FC4}" type="datetimeFigureOut">
               <a:rPr lang="en-US" smtClean="0"/>
-              <a:t>1/27/13</a:t>
+              <a:t>9/17/2025</a:t>
             </a:fld>
             <a:endParaRPr lang="en-US"/>
           </a:p>
@@ -739,10 +749,9 @@
           <a:lstStyle/>
           <a:p>
             <a:r>
-              <a:rPr lang="en-US" smtClean="0"/>
+              <a:rPr lang="en-US"/>
               <a:t>Click to edit Master title style</a:t>
             </a:r>
-            <a:endParaRPr lang="en-US"/>
           </a:p>
         </p:txBody>
       </p:sp>
@@ -763,38 +772,37 @@
           <a:p>
             <a:pPr lvl="0"/>
             <a:r>
-              <a:rPr lang="en-US" smtClean="0"/>
+              <a:rPr lang="en-US"/>
               <a:t>Click to edit Master text styles</a:t>
             </a:r>
           </a:p>
           <a:p>
             <a:pPr lvl="1"/>
             <a:r>
-              <a:rPr lang="en-US" smtClean="0"/>
+              <a:rPr lang="en-US"/>
               <a:t>Second level</a:t>
             </a:r>
           </a:p>
           <a:p>
             <a:pPr lvl="2"/>
             <a:r>
-              <a:rPr lang="en-US" smtClean="0"/>
+              <a:rPr lang="en-US"/>
               <a:t>Third level</a:t>
             </a:r>
           </a:p>
           <a:p>
             <a:pPr lvl="3"/>
             <a:r>
-              <a:rPr lang="en-US" smtClean="0"/>
+              <a:rPr lang="en-US"/>
               <a:t>Fourth level</a:t>
             </a:r>
           </a:p>
           <a:p>
             <a:pPr lvl="4"/>
             <a:r>
-              <a:rPr lang="en-US" smtClean="0"/>
+              <a:rPr lang="en-US"/>
               <a:t>Fifth level</a:t>
             </a:r>
-            <a:endParaRPr lang="en-US"/>
           </a:p>
         </p:txBody>
       </p:sp>
@@ -815,7 +823,7 @@
           <a:p>
             <a:fld id="{5BCAD085-E8A6-8845-BD4E-CB4CCA059FC4}" type="datetimeFigureOut">
               <a:rPr lang="en-US" smtClean="0"/>
-              <a:t>1/27/13</a:t>
+              <a:t>9/17/2025</a:t>
             </a:fld>
             <a:endParaRPr lang="en-US"/>
           </a:p>
@@ -918,10 +926,9 @@
           </a:lstStyle>
           <a:p>
             <a:r>
-              <a:rPr lang="en-US" smtClean="0"/>
+              <a:rPr lang="en-US"/>
               <a:t>Click to edit Master title style</a:t>
             </a:r>
-            <a:endParaRPr lang="en-US"/>
           </a:p>
         </p:txBody>
       </p:sp>
@@ -1038,7 +1045,7 @@
           <a:p>
             <a:pPr lvl="0"/>
             <a:r>
-              <a:rPr lang="en-US" smtClean="0"/>
+              <a:rPr lang="en-US"/>
               <a:t>Click to edit Master text styles</a:t>
             </a:r>
           </a:p>
@@ -1061,7 +1068,7 @@
           <a:p>
             <a:fld id="{5BCAD085-E8A6-8845-BD4E-CB4CCA059FC4}" type="datetimeFigureOut">
               <a:rPr lang="en-US" smtClean="0"/>
-              <a:t>1/27/13</a:t>
+              <a:t>9/17/2025</a:t>
             </a:fld>
             <a:endParaRPr lang="en-US"/>
           </a:p>
@@ -1155,10 +1162,9 @@
           <a:lstStyle/>
           <a:p>
             <a:r>
-              <a:rPr lang="en-US" smtClean="0"/>
+              <a:rPr lang="en-US"/>
               <a:t>Click to edit Master title style</a:t>
             </a:r>
-            <a:endParaRPr lang="en-US"/>
           </a:p>
         </p:txBody>
       </p:sp>
@@ -1212,38 +1218,37 @@
           <a:p>
             <a:pPr lvl="0"/>
             <a:r>
-              <a:rPr lang="en-US" smtClean="0"/>
+              <a:rPr lang="en-US"/>
               <a:t>Click to edit Master text styles</a:t>
             </a:r>
           </a:p>
           <a:p>
             <a:pPr lvl="1"/>
             <a:r>
-              <a:rPr lang="en-US" smtClean="0"/>
+              <a:rPr lang="en-US"/>
               <a:t>Second level</a:t>
             </a:r>
           </a:p>
           <a:p>
             <a:pPr lvl="2"/>
             <a:r>
-              <a:rPr lang="en-US" smtClean="0"/>
+              <a:rPr lang="en-US"/>
               <a:t>Third level</a:t>
             </a:r>
           </a:p>
           <a:p>
             <a:pPr lvl="3"/>
             <a:r>
-              <a:rPr lang="en-US" smtClean="0"/>
+              <a:rPr lang="en-US"/>
               <a:t>Fourth level</a:t>
             </a:r>
           </a:p>
           <a:p>
             <a:pPr lvl="4"/>
             <a:r>
-              <a:rPr lang="en-US" smtClean="0"/>
+              <a:rPr lang="en-US"/>
               <a:t>Fifth level</a:t>
             </a:r>
-            <a:endParaRPr lang="en-US"/>
           </a:p>
         </p:txBody>
       </p:sp>
@@ -1297,38 +1302,37 @@
           <a:p>
             <a:pPr lvl="0"/>
             <a:r>
-              <a:rPr lang="en-US" smtClean="0"/>
+              <a:rPr lang="en-US"/>
               <a:t>Click to edit Master text styles</a:t>
             </a:r>
           </a:p>
           <a:p>
             <a:pPr lvl="1"/>
             <a:r>
-              <a:rPr lang="en-US" smtClean="0"/>
+              <a:rPr lang="en-US"/>
               <a:t>Second level</a:t>
             </a:r>
           </a:p>
           <a:p>
             <a:pPr lvl="2"/>
             <a:r>
-              <a:rPr lang="en-US" smtClean="0"/>
+              <a:rPr lang="en-US"/>
               <a:t>Third level</a:t>
             </a:r>
           </a:p>
           <a:p>
             <a:pPr lvl="3"/>
             <a:r>
-              <a:rPr lang="en-US" smtClean="0"/>
+              <a:rPr lang="en-US"/>
               <a:t>Fourth level</a:t>
             </a:r>
           </a:p>
           <a:p>
             <a:pPr lvl="4"/>
             <a:r>
-              <a:rPr lang="en-US" smtClean="0"/>
+              <a:rPr lang="en-US"/>
               <a:t>Fifth level</a:t>
             </a:r>
-            <a:endParaRPr lang="en-US"/>
           </a:p>
         </p:txBody>
       </p:sp>
@@ -1349,7 +1353,7 @@
           <a:p>
             <a:fld id="{5BCAD085-E8A6-8845-BD4E-CB4CCA059FC4}" type="datetimeFigureOut">
               <a:rPr lang="en-US" smtClean="0"/>
-              <a:t>1/27/13</a:t>
+              <a:t>9/17/2025</a:t>
             </a:fld>
             <a:endParaRPr lang="en-US"/>
           </a:p>
@@ -1447,10 +1451,9 @@
           </a:lstStyle>
           <a:p>
             <a:r>
-              <a:rPr lang="en-US" smtClean="0"/>
+              <a:rPr lang="en-US"/>
               <a:t>Click to edit Master title style</a:t>
             </a:r>
-            <a:endParaRPr lang="en-US"/>
           </a:p>
         </p:txBody>
       </p:sp>
@@ -1513,7 +1516,7 @@
           <a:p>
             <a:pPr lvl="0"/>
             <a:r>
-              <a:rPr lang="en-US" smtClean="0"/>
+              <a:rPr lang="en-US"/>
               <a:t>Click to edit Master text styles</a:t>
             </a:r>
           </a:p>
@@ -1569,38 +1572,37 @@
           <a:p>
             <a:pPr lvl="0"/>
             <a:r>
-              <a:rPr lang="en-US" smtClean="0"/>
+              <a:rPr lang="en-US"/>
               <a:t>Click to edit Master text styles</a:t>
             </a:r>
           </a:p>
           <a:p>
             <a:pPr lvl="1"/>
             <a:r>
-              <a:rPr lang="en-US" smtClean="0"/>
+              <a:rPr lang="en-US"/>
               <a:t>Second level</a:t>
             </a:r>
           </a:p>
           <a:p>
             <a:pPr lvl="2"/>
             <a:r>
-              <a:rPr lang="en-US" smtClean="0"/>
+              <a:rPr lang="en-US"/>
               <a:t>Third level</a:t>
             </a:r>
           </a:p>
           <a:p>
             <a:pPr lvl="3"/>
             <a:r>
-              <a:rPr lang="en-US" smtClean="0"/>
+              <a:rPr lang="en-US"/>
               <a:t>Fourth level</a:t>
             </a:r>
           </a:p>
           <a:p>
             <a:pPr lvl="4"/>
             <a:r>
-              <a:rPr lang="en-US" smtClean="0"/>
+              <a:rPr lang="en-US"/>
               <a:t>Fifth level</a:t>
             </a:r>
-            <a:endParaRPr lang="en-US"/>
           </a:p>
         </p:txBody>
       </p:sp>
@@ -1663,7 +1665,7 @@
           <a:p>
             <a:pPr lvl="0"/>
             <a:r>
-              <a:rPr lang="en-US" smtClean="0"/>
+              <a:rPr lang="en-US"/>
               <a:t>Click to edit Master text styles</a:t>
             </a:r>
           </a:p>
@@ -1719,38 +1721,37 @@
           <a:p>
             <a:pPr lvl="0"/>
             <a:r>
-              <a:rPr lang="en-US" smtClean="0"/>
+              <a:rPr lang="en-US"/>
               <a:t>Click to edit Master text styles</a:t>
             </a:r>
           </a:p>
           <a:p>
             <a:pPr lvl="1"/>
             <a:r>
-              <a:rPr lang="en-US" smtClean="0"/>
+              <a:rPr lang="en-US"/>
               <a:t>Second level</a:t>
             </a:r>
           </a:p>
           <a:p>
             <a:pPr lvl="2"/>
             <a:r>
-              <a:rPr lang="en-US" smtClean="0"/>
+              <a:rPr lang="en-US"/>
               <a:t>Third level</a:t>
             </a:r>
           </a:p>
           <a:p>
             <a:pPr lvl="3"/>
             <a:r>
-              <a:rPr lang="en-US" smtClean="0"/>
+              <a:rPr lang="en-US"/>
               <a:t>Fourth level</a:t>
             </a:r>
           </a:p>
           <a:p>
             <a:pPr lvl="4"/>
             <a:r>
-              <a:rPr lang="en-US" smtClean="0"/>
+              <a:rPr lang="en-US"/>
               <a:t>Fifth level</a:t>
             </a:r>
-            <a:endParaRPr lang="en-US"/>
           </a:p>
         </p:txBody>
       </p:sp>
@@ -1771,7 +1772,7 @@
           <a:p>
             <a:fld id="{5BCAD085-E8A6-8845-BD4E-CB4CCA059FC4}" type="datetimeFigureOut">
               <a:rPr lang="en-US" smtClean="0"/>
-              <a:t>1/27/13</a:t>
+              <a:t>9/17/2025</a:t>
             </a:fld>
             <a:endParaRPr lang="en-US"/>
           </a:p>
@@ -1865,10 +1866,9 @@
           <a:lstStyle/>
           <a:p>
             <a:r>
-              <a:rPr lang="en-US" smtClean="0"/>
+              <a:rPr lang="en-US"/>
               <a:t>Click to edit Master title style</a:t>
             </a:r>
-            <a:endParaRPr lang="en-US"/>
           </a:p>
         </p:txBody>
       </p:sp>
@@ -1889,7 +1889,7 @@
           <a:p>
             <a:fld id="{5BCAD085-E8A6-8845-BD4E-CB4CCA059FC4}" type="datetimeFigureOut">
               <a:rPr lang="en-US" smtClean="0"/>
-              <a:t>1/27/13</a:t>
+              <a:t>9/17/2025</a:t>
             </a:fld>
             <a:endParaRPr lang="en-US"/>
           </a:p>
@@ -1984,7 +1984,7 @@
           <a:p>
             <a:fld id="{5BCAD085-E8A6-8845-BD4E-CB4CCA059FC4}" type="datetimeFigureOut">
               <a:rPr lang="en-US" smtClean="0"/>
-              <a:t>1/27/13</a:t>
+              <a:t>9/17/2025</a:t>
             </a:fld>
             <a:endParaRPr lang="en-US"/>
           </a:p>
@@ -2087,10 +2087,9 @@
           </a:lstStyle>
           <a:p>
             <a:r>
-              <a:rPr lang="en-US" smtClean="0"/>
+              <a:rPr lang="en-US"/>
               <a:t>Click to edit Master title style</a:t>
             </a:r>
-            <a:endParaRPr lang="en-US"/>
           </a:p>
         </p:txBody>
       </p:sp>
@@ -2144,38 +2143,37 @@
           <a:p>
             <a:pPr lvl="0"/>
             <a:r>
-              <a:rPr lang="en-US" smtClean="0"/>
+              <a:rPr lang="en-US"/>
               <a:t>Click to edit Master text styles</a:t>
             </a:r>
           </a:p>
           <a:p>
             <a:pPr lvl="1"/>
             <a:r>
-              <a:rPr lang="en-US" smtClean="0"/>
+              <a:rPr lang="en-US"/>
               <a:t>Second level</a:t>
             </a:r>
           </a:p>
           <a:p>
             <a:pPr lvl="2"/>
             <a:r>
-              <a:rPr lang="en-US" smtClean="0"/>
+              <a:rPr lang="en-US"/>
               <a:t>Third level</a:t>
             </a:r>
           </a:p>
           <a:p>
             <a:pPr lvl="3"/>
             <a:r>
-              <a:rPr lang="en-US" smtClean="0"/>
+              <a:rPr lang="en-US"/>
               <a:t>Fourth level</a:t>
             </a:r>
           </a:p>
           <a:p>
             <a:pPr lvl="4"/>
             <a:r>
-              <a:rPr lang="en-US" smtClean="0"/>
+              <a:rPr lang="en-US"/>
               <a:t>Fifth level</a:t>
             </a:r>
-            <a:endParaRPr lang="en-US"/>
           </a:p>
         </p:txBody>
       </p:sp>
@@ -2238,7 +2236,7 @@
           <a:p>
             <a:pPr lvl="0"/>
             <a:r>
-              <a:rPr lang="en-US" smtClean="0"/>
+              <a:rPr lang="en-US"/>
               <a:t>Click to edit Master text styles</a:t>
             </a:r>
           </a:p>
@@ -2261,7 +2259,7 @@
           <a:p>
             <a:fld id="{5BCAD085-E8A6-8845-BD4E-CB4CCA059FC4}" type="datetimeFigureOut">
               <a:rPr lang="en-US" smtClean="0"/>
-              <a:t>1/27/13</a:t>
+              <a:t>9/17/2025</a:t>
             </a:fld>
             <a:endParaRPr lang="en-US"/>
           </a:p>
@@ -2364,10 +2362,9 @@
           </a:lstStyle>
           <a:p>
             <a:r>
-              <a:rPr lang="en-US" smtClean="0"/>
+              <a:rPr lang="en-US"/>
               <a:t>Click to edit Master title style</a:t>
             </a:r>
-            <a:endParaRPr lang="en-US"/>
           </a:p>
         </p:txBody>
       </p:sp>
@@ -2491,7 +2488,7 @@
           <a:p>
             <a:pPr lvl="0"/>
             <a:r>
-              <a:rPr lang="en-US" smtClean="0"/>
+              <a:rPr lang="en-US"/>
               <a:t>Click to edit Master text styles</a:t>
             </a:r>
           </a:p>
@@ -2514,7 +2511,7 @@
           <a:p>
             <a:fld id="{5BCAD085-E8A6-8845-BD4E-CB4CCA059FC4}" type="datetimeFigureOut">
               <a:rPr lang="en-US" smtClean="0"/>
-              <a:t>1/27/13</a:t>
+              <a:t>9/17/2025</a:t>
             </a:fld>
             <a:endParaRPr lang="en-US"/>
           </a:p>
@@ -2623,10 +2620,9 @@
           <a:lstStyle/>
           <a:p>
             <a:r>
-              <a:rPr lang="en-US" smtClean="0"/>
+              <a:rPr lang="en-US"/>
               <a:t>Click to edit Master title style</a:t>
             </a:r>
-            <a:endParaRPr lang="en-US"/>
           </a:p>
         </p:txBody>
       </p:sp>
@@ -2657,38 +2653,37 @@
           <a:p>
             <a:pPr lvl="0"/>
             <a:r>
-              <a:rPr lang="en-US" smtClean="0"/>
+              <a:rPr lang="en-US"/>
               <a:t>Click to edit Master text styles</a:t>
             </a:r>
           </a:p>
           <a:p>
             <a:pPr lvl="1"/>
             <a:r>
-              <a:rPr lang="en-US" smtClean="0"/>
+              <a:rPr lang="en-US"/>
               <a:t>Second level</a:t>
             </a:r>
           </a:p>
           <a:p>
             <a:pPr lvl="2"/>
             <a:r>
-              <a:rPr lang="en-US" smtClean="0"/>
+              <a:rPr lang="en-US"/>
               <a:t>Third level</a:t>
             </a:r>
           </a:p>
           <a:p>
             <a:pPr lvl="3"/>
             <a:r>
-              <a:rPr lang="en-US" smtClean="0"/>
+              <a:rPr lang="en-US"/>
               <a:t>Fourth level</a:t>
             </a:r>
           </a:p>
           <a:p>
             <a:pPr lvl="4"/>
             <a:r>
-              <a:rPr lang="en-US" smtClean="0"/>
+              <a:rPr lang="en-US"/>
               <a:t>Fifth level</a:t>
             </a:r>
-            <a:endParaRPr lang="en-US"/>
           </a:p>
         </p:txBody>
       </p:sp>
@@ -2727,7 +2722,7 @@
           <a:p>
             <a:fld id="{5BCAD085-E8A6-8845-BD4E-CB4CCA059FC4}" type="datetimeFigureOut">
               <a:rPr lang="en-US" smtClean="0"/>
-              <a:t>1/27/13</a:t>
+              <a:t>9/17/2025</a:t>
             </a:fld>
             <a:endParaRPr lang="en-US"/>
           </a:p>
@@ -3086,7 +3081,7 @@
 </file>
 
 <file path=ppt/slides/slide1.xml><?xml version="1.0" encoding="utf-8"?>
-<p:sld xmlns:a="http://schemas.openxmlformats.org/drawingml/2006/main" xmlns:p="http://schemas.openxmlformats.org/presentationml/2006/main" xmlns:r="http://schemas.openxmlformats.org/officeDocument/2006/relationships">
+<p:sld xmlns:a="http://schemas.openxmlformats.org/drawingml/2006/main" xmlns:r="http://schemas.openxmlformats.org/officeDocument/2006/relationships" xmlns:p="http://schemas.openxmlformats.org/presentationml/2006/main">
   <p:cSld>
     <p:spTree>
       <p:nvGrpSpPr>
@@ -3094,7 +3089,14 @@
         <p:cNvGrpSpPr/>
         <p:nvPr/>
       </p:nvGrpSpPr>
-      <p:grpSpPr/>
+      <p:grpSpPr>
+        <a:xfrm>
+          <a:off x="0" y="0"/>
+          <a:ext cx="0" cy="0"/>
+          <a:chOff x="0" y="0"/>
+          <a:chExt cx="0" cy="0"/>
+        </a:xfrm>
+      </p:grpSpPr>
       <p:sp>
         <p:nvSpPr>
           <p:cNvPr id="2" name="Title 1"/>
@@ -3158,8 +3160,8 @@
         </p:blipFill>
         <p:spPr>
           <a:xfrm>
-            <a:off x="6583680" y="457200"/>
-            <a:ext cx="1645920" cy="2468880"/>
+            <a:off x="7504176" y="137160"/>
+            <a:ext cx="1420368" cy="2130552"/>
           </a:xfrm>
           <a:prstGeom prst="rect">
             <a:avLst/>
@@ -3175,7 +3177,7 @@
 </file>
 
 <file path=ppt/slides/slide2.xml><?xml version="1.0" encoding="utf-8"?>
-<p:sld xmlns:a="http://schemas.openxmlformats.org/drawingml/2006/main" xmlns:p="http://schemas.openxmlformats.org/presentationml/2006/main" xmlns:r="http://schemas.openxmlformats.org/officeDocument/2006/relationships">
+<p:sld xmlns:a="http://schemas.openxmlformats.org/drawingml/2006/main" xmlns:r="http://schemas.openxmlformats.org/officeDocument/2006/relationships" xmlns:p="http://schemas.openxmlformats.org/presentationml/2006/main">
   <p:cSld>
     <p:spTree>
       <p:nvGrpSpPr>
@@ -3183,7 +3185,14 @@
         <p:cNvGrpSpPr/>
         <p:nvPr/>
       </p:nvGrpSpPr>
-      <p:grpSpPr/>
+      <p:grpSpPr>
+        <a:xfrm>
+          <a:off x="0" y="0"/>
+          <a:ext cx="0" cy="0"/>
+          <a:chOff x="0" y="0"/>
+          <a:chExt cx="0" cy="0"/>
+        </a:xfrm>
+      </p:grpSpPr>
       <p:sp>
         <p:nvSpPr>
           <p:cNvPr id="2" name="Title 1"/>
@@ -3220,25 +3229,21 @@
           <a:bodyPr/>
           <a:lstStyle/>
           <a:p>
-            <a:pPr/>
             <a:r>
               <a:t>Нет управленческой отчётности в одном окне</a:t>
             </a:r>
           </a:p>
           <a:p>
-            <a:pPr/>
             <a:r>
               <a:t>Слабая мотивация: нет связи KPI ↔ деньги</a:t>
             </a:r>
           </a:p>
           <a:p>
-            <a:pPr/>
             <a:r>
               <a:t>Слишком много инициатив без эффекта</a:t>
             </a:r>
           </a:p>
           <a:p>
-            <a:pPr/>
             <a:r>
               <a:t>Нужны быстрые победы без тяжёлого IT</a:t>
             </a:r>
@@ -3254,7 +3259,7 @@
 </file>
 
 <file path=ppt/slides/slide3.xml><?xml version="1.0" encoding="utf-8"?>
-<p:sld xmlns:a="http://schemas.openxmlformats.org/drawingml/2006/main" xmlns:p="http://schemas.openxmlformats.org/presentationml/2006/main" xmlns:r="http://schemas.openxmlformats.org/officeDocument/2006/relationships">
+<p:sld xmlns:a="http://schemas.openxmlformats.org/drawingml/2006/main" xmlns:r="http://schemas.openxmlformats.org/officeDocument/2006/relationships" xmlns:p="http://schemas.openxmlformats.org/presentationml/2006/main">
   <p:cSld>
     <p:spTree>
       <p:nvGrpSpPr>
@@ -3262,7 +3267,14 @@
         <p:cNvGrpSpPr/>
         <p:nvPr/>
       </p:nvGrpSpPr>
-      <p:grpSpPr/>
+      <p:grpSpPr>
+        <a:xfrm>
+          <a:off x="0" y="0"/>
+          <a:ext cx="0" cy="0"/>
+          <a:chOff x="0" y="0"/>
+          <a:chExt cx="0" cy="0"/>
+        </a:xfrm>
+      </p:grpSpPr>
       <p:sp>
         <p:nvSpPr>
           <p:cNvPr id="2" name="Title 1"/>
@@ -3299,19 +3311,16 @@
           <a:bodyPr/>
           <a:lstStyle/>
           <a:p>
-            <a:pPr/>
             <a:r>
               <a:t>Я прихожу как фракционный COO/CGO</a:t>
             </a:r>
           </a:p>
           <a:p>
-            <a:pPr/>
             <a:r>
               <a:t>За 12 недель запускаю 3–5 инициатив до денег</a:t>
             </a:r>
           </a:p>
           <a:p>
-            <a:pPr/>
             <a:r>
               <a:t>DPPM‑12: Данные → Люди → Процессы → Рынок</a:t>
             </a:r>
@@ -3327,7 +3336,7 @@
 </file>
 
 <file path=ppt/slides/slide4.xml><?xml version="1.0" encoding="utf-8"?>
-<p:sld xmlns:a="http://schemas.openxmlformats.org/drawingml/2006/main" xmlns:p="http://schemas.openxmlformats.org/presentationml/2006/main" xmlns:r="http://schemas.openxmlformats.org/officeDocument/2006/relationships">
+<p:sld xmlns:a="http://schemas.openxmlformats.org/drawingml/2006/main" xmlns:r="http://schemas.openxmlformats.org/officeDocument/2006/relationships" xmlns:p="http://schemas.openxmlformats.org/presentationml/2006/main">
   <p:cSld>
     <p:spTree>
       <p:nvGrpSpPr>
@@ -3335,7 +3344,14 @@
         <p:cNvGrpSpPr/>
         <p:nvPr/>
       </p:nvGrpSpPr>
-      <p:grpSpPr/>
+      <p:grpSpPr>
+        <a:xfrm>
+          <a:off x="0" y="0"/>
+          <a:ext cx="0" cy="0"/>
+          <a:chOff x="0" y="0"/>
+          <a:chExt cx="0" cy="0"/>
+        </a:xfrm>
+      </p:grpSpPr>
       <p:sp>
         <p:nvSpPr>
           <p:cNvPr id="2" name="Title 1"/>
@@ -3372,25 +3388,21 @@
           <a:bodyPr/>
           <a:lstStyle/>
           <a:p>
-            <a:pPr/>
             <a:r>
               <a:t>Диагностика прибыли 10 дней (₽90–150k)</a:t>
             </a:r>
           </a:p>
           <a:p>
-            <a:pPr/>
             <a:r>
               <a:t>Внедрение 12 недель (₽450–900k или ₽250–400k/мес + KPI‑бонус)</a:t>
             </a:r>
           </a:p>
           <a:p>
-            <a:pPr/>
             <a:r>
               <a:t>Operate 6–12 мес (≤2 клиента)</a:t>
             </a:r>
           </a:p>
           <a:p>
-            <a:pPr/>
             <a:r>
               <a:t>Data‑Block 3 недели | Sales‑Boost 4 недели</a:t>
             </a:r>
@@ -3406,7 +3418,7 @@
 </file>
 
 <file path=ppt/slides/slide5.xml><?xml version="1.0" encoding="utf-8"?>
-<p:sld xmlns:a="http://schemas.openxmlformats.org/drawingml/2006/main" xmlns:p="http://schemas.openxmlformats.org/presentationml/2006/main" xmlns:r="http://schemas.openxmlformats.org/officeDocument/2006/relationships">
+<p:sld xmlns:a="http://schemas.openxmlformats.org/drawingml/2006/main" xmlns:r="http://schemas.openxmlformats.org/officeDocument/2006/relationships" xmlns:p="http://schemas.openxmlformats.org/presentationml/2006/main">
   <p:cSld>
     <p:spTree>
       <p:nvGrpSpPr>
@@ -3414,7 +3426,14 @@
         <p:cNvGrpSpPr/>
         <p:nvPr/>
       </p:nvGrpSpPr>
-      <p:grpSpPr/>
+      <p:grpSpPr>
+        <a:xfrm>
+          <a:off x="0" y="0"/>
+          <a:ext cx="0" cy="0"/>
+          <a:chOff x="0" y="0"/>
+          <a:chExt cx="0" cy="0"/>
+        </a:xfrm>
+      </p:grpSpPr>
       <p:sp>
         <p:nvSpPr>
           <p:cNvPr id="2" name="Title 1"/>
@@ -3451,25 +3470,21 @@
           <a:bodyPr/>
           <a:lstStyle/>
           <a:p>
-            <a:pPr/>
             <a:r>
               <a:t>Автодилеры 3–10 салонов</a:t>
             </a:r>
           </a:p>
           <a:p>
-            <a:pPr/>
             <a:r>
               <a:t>Девелоперы/подрядчики ₽1–10 млрд</a:t>
             </a:r>
           </a:p>
           <a:p>
-            <a:pPr/>
             <a:r>
               <a:t>HoReCa 5–20 точек</a:t>
             </a:r>
           </a:p>
           <a:p>
-            <a:pPr/>
             <a:r>
               <a:t>E‑commerce/ритейл ₽200–800 млн</a:t>
             </a:r>
@@ -3485,7 +3500,7 @@
 </file>
 
 <file path=ppt/slides/slide6.xml><?xml version="1.0" encoding="utf-8"?>
-<p:sld xmlns:a="http://schemas.openxmlformats.org/drawingml/2006/main" xmlns:p="http://schemas.openxmlformats.org/presentationml/2006/main" xmlns:r="http://schemas.openxmlformats.org/officeDocument/2006/relationships">
+<p:sld xmlns:a="http://schemas.openxmlformats.org/drawingml/2006/main" xmlns:r="http://schemas.openxmlformats.org/officeDocument/2006/relationships" xmlns:p="http://schemas.openxmlformats.org/presentationml/2006/main">
   <p:cSld>
     <p:spTree>
       <p:nvGrpSpPr>
@@ -3493,7 +3508,14 @@
         <p:cNvGrpSpPr/>
         <p:nvPr/>
       </p:nvGrpSpPr>
-      <p:grpSpPr/>
+      <p:grpSpPr>
+        <a:xfrm>
+          <a:off x="0" y="0"/>
+          <a:ext cx="0" cy="0"/>
+          <a:chOff x="0" y="0"/>
+          <a:chExt cx="0" cy="0"/>
+        </a:xfrm>
+      </p:grpSpPr>
       <p:sp>
         <p:nvSpPr>
           <p:cNvPr id="2" name="Title 1"/>
@@ -3530,25 +3552,21 @@
           <a:bodyPr/>
           <a:lstStyle/>
           <a:p>
-            <a:pPr/>
             <a:r>
               <a:t>Рынок: доля до 33% (банк)</a:t>
             </a:r>
           </a:p>
           <a:p>
-            <a:pPr/>
             <a:r>
               <a:t>DIY: запуск B2B‑канала с нуля</a:t>
             </a:r>
           </a:p>
           <a:p>
-            <a:pPr/>
             <a:r>
               <a:t>Авто: конверсия до 27% + отчётность</a:t>
             </a:r>
           </a:p>
           <a:p>
-            <a:pPr/>
             <a:r>
               <a:t>1600+ интервью, 1000+ наймов</a:t>
             </a:r>
@@ -3564,7 +3582,7 @@
 </file>
 
 <file path=ppt/slides/slide7.xml><?xml version="1.0" encoding="utf-8"?>
-<p:sld xmlns:a="http://schemas.openxmlformats.org/drawingml/2006/main" xmlns:p="http://schemas.openxmlformats.org/presentationml/2006/main" xmlns:r="http://schemas.openxmlformats.org/officeDocument/2006/relationships">
+<p:sld xmlns:a="http://schemas.openxmlformats.org/drawingml/2006/main" xmlns:r="http://schemas.openxmlformats.org/officeDocument/2006/relationships" xmlns:p="http://schemas.openxmlformats.org/presentationml/2006/main">
   <p:cSld>
     <p:spTree>
       <p:nvGrpSpPr>
@@ -3572,7 +3590,14 @@
         <p:cNvGrpSpPr/>
         <p:nvPr/>
       </p:nvGrpSpPr>
-      <p:grpSpPr/>
+      <p:grpSpPr>
+        <a:xfrm>
+          <a:off x="0" y="0"/>
+          <a:ext cx="0" cy="0"/>
+          <a:chOff x="0" y="0"/>
+          <a:chExt cx="0" cy="0"/>
+        </a:xfrm>
+      </p:grpSpPr>
       <p:sp>
         <p:nvSpPr>
           <p:cNvPr id="2" name="Title 1"/>
@@ -3609,25 +3634,21 @@
           <a:bodyPr/>
           <a:lstStyle/>
           <a:p>
-            <a:pPr/>
             <a:r>
               <a:t>6 спринтов × 2 недели</a:t>
             </a:r>
           </a:p>
           <a:p>
-            <a:pPr/>
             <a:r>
               <a:t>Пн 09:00 цели → Пт 17:00 «борд фактов»</a:t>
             </a:r>
           </a:p>
           <a:p>
-            <a:pPr/>
             <a:r>
               <a:t>WIP ≤ 3, weekly «голос поля»</a:t>
             </a:r>
           </a:p>
           <a:p>
-            <a:pPr/>
             <a:r>
               <a:t>Прозрачность эффектов и ROI</a:t>
             </a:r>
@@ -3643,7 +3664,7 @@
 </file>
 
 <file path=ppt/slides/slide8.xml><?xml version="1.0" encoding="utf-8"?>
-<p:sld xmlns:a="http://schemas.openxmlformats.org/drawingml/2006/main" xmlns:p="http://schemas.openxmlformats.org/presentationml/2006/main" xmlns:r="http://schemas.openxmlformats.org/officeDocument/2006/relationships">
+<p:sld xmlns:a="http://schemas.openxmlformats.org/drawingml/2006/main" xmlns:r="http://schemas.openxmlformats.org/officeDocument/2006/relationships" xmlns:p="http://schemas.openxmlformats.org/presentationml/2006/main">
   <p:cSld>
     <p:spTree>
       <p:nvGrpSpPr>
@@ -3651,7 +3672,14 @@
         <p:cNvGrpSpPr/>
         <p:nvPr/>
       </p:nvGrpSpPr>
-      <p:grpSpPr/>
+      <p:grpSpPr>
+        <a:xfrm>
+          <a:off x="0" y="0"/>
+          <a:ext cx="0" cy="0"/>
+          <a:chOff x="0" y="0"/>
+          <a:chExt cx="0" cy="0"/>
+        </a:xfrm>
+      </p:grpSpPr>
       <p:sp>
         <p:nvSpPr>
           <p:cNvPr id="2" name="Title 1"/>
@@ -3688,25 +3716,21 @@
           <a:bodyPr/>
           <a:lstStyle/>
           <a:p>
-            <a:pPr/>
             <a:r>
               <a:t>Евгений Чапурин — операционный партнёр собственника (CFG)</a:t>
             </a:r>
           </a:p>
           <a:p>
-            <a:pPr/>
             <a:r>
               <a:t>25+ проектов: банки, DIY, авто, девелопмент, HoReCa, e‑commerce</a:t>
             </a:r>
           </a:p>
           <a:p>
-            <a:pPr/>
             <a:r>
               <a:t>1600+ интервью, 1000+ наймов</a:t>
             </a:r>
           </a:p>
           <a:p>
-            <a:pPr/>
             <a:r>
               <a:t>ИП Чапурин Е.А., ОГРНИП 324385000032592, ИНН 380121912339, УСН 6%</a:t>
             </a:r>

--- a/downloads/CFG_PitchDeck_v2.pptx
+++ b/downloads/CFG_PitchDeck_v2.pptx
@@ -5,14 +5,14 @@
     <p:sldMasterId id="2147483648" r:id="rId1"/>
   </p:sldMasterIdLst>
   <p:sldIdLst>
-    <p:sldId id="256" r:id="rId2"/>
-    <p:sldId id="257" r:id="rId3"/>
-    <p:sldId id="258" r:id="rId4"/>
-    <p:sldId id="259" r:id="rId5"/>
-    <p:sldId id="260" r:id="rId6"/>
-    <p:sldId id="261" r:id="rId7"/>
-    <p:sldId id="262" r:id="rId8"/>
-    <p:sldId id="263" r:id="rId9"/>
+    <p:sldId id="256" r:id="rId7"/>
+    <p:sldId id="257" r:id="rId8"/>
+    <p:sldId id="258" r:id="rId9"/>
+    <p:sldId id="259" r:id="rId10"/>
+    <p:sldId id="260" r:id="rId11"/>
+    <p:sldId id="261" r:id="rId12"/>
+    <p:sldId id="262" r:id="rId13"/>
+    <p:sldId id="263" r:id="rId14"/>
   </p:sldIdLst>
   <p:sldSz cx="9144000" cy="6858000" type="screen4x3"/>
   <p:notesSz cx="6858000" cy="9144000"/>
@@ -111,22 +111,6 @@
       </a:defRPr>
     </a:lvl9pPr>
   </p:defaultTextStyle>
-  <p:extLst>
-    <p:ext uri="{EFAFB233-063F-42B5-8137-9DF3F51BA10A}">
-      <p15:sldGuideLst xmlns:p15="http://schemas.microsoft.com/office/powerpoint/2012/main">
-        <p15:guide id="1" orient="horz" pos="2160">
-          <p15:clr>
-            <a:srgbClr val="A4A3A4"/>
-          </p15:clr>
-        </p15:guide>
-        <p15:guide id="2" pos="2880">
-          <p15:clr>
-            <a:srgbClr val="A4A3A4"/>
-          </p15:clr>
-        </p15:guide>
-      </p15:sldGuideLst>
-    </p:ext>
-  </p:extLst>
 </p:presentation>
 </file>
 
@@ -168,9 +152,10 @@
           <a:lstStyle/>
           <a:p>
             <a:r>
-              <a:rPr lang="en-US"/>
+              <a:rPr lang="en-US" smtClean="0"/>
               <a:t>Click to edit Master title style</a:t>
             </a:r>
+            <a:endParaRPr lang="en-US"/>
           </a:p>
         </p:txBody>
       </p:sp>
@@ -286,9 +271,10 @@
           </a:lstStyle>
           <a:p>
             <a:r>
-              <a:rPr lang="en-US"/>
+              <a:rPr lang="en-US" smtClean="0"/>
               <a:t>Click to edit Master subtitle style</a:t>
             </a:r>
+            <a:endParaRPr lang="en-US"/>
           </a:p>
         </p:txBody>
       </p:sp>
@@ -309,7 +295,7 @@
           <a:p>
             <a:fld id="{5BCAD085-E8A6-8845-BD4E-CB4CCA059FC4}" type="datetimeFigureOut">
               <a:rPr lang="en-US" smtClean="0"/>
-              <a:t>9/17/2025</a:t>
+              <a:t>1/27/13</a:t>
             </a:fld>
             <a:endParaRPr lang="en-US"/>
           </a:p>
@@ -403,9 +389,10 @@
           <a:lstStyle/>
           <a:p>
             <a:r>
-              <a:rPr lang="en-US"/>
+              <a:rPr lang="en-US" smtClean="0"/>
               <a:t>Click to edit Master title style</a:t>
             </a:r>
+            <a:endParaRPr lang="en-US"/>
           </a:p>
         </p:txBody>
       </p:sp>
@@ -426,37 +413,38 @@
           <a:p>
             <a:pPr lvl="0"/>
             <a:r>
-              <a:rPr lang="en-US"/>
+              <a:rPr lang="en-US" smtClean="0"/>
               <a:t>Click to edit Master text styles</a:t>
             </a:r>
           </a:p>
           <a:p>
             <a:pPr lvl="1"/>
             <a:r>
-              <a:rPr lang="en-US"/>
+              <a:rPr lang="en-US" smtClean="0"/>
               <a:t>Second level</a:t>
             </a:r>
           </a:p>
           <a:p>
             <a:pPr lvl="2"/>
             <a:r>
-              <a:rPr lang="en-US"/>
+              <a:rPr lang="en-US" smtClean="0"/>
               <a:t>Third level</a:t>
             </a:r>
           </a:p>
           <a:p>
             <a:pPr lvl="3"/>
             <a:r>
-              <a:rPr lang="en-US"/>
+              <a:rPr lang="en-US" smtClean="0"/>
               <a:t>Fourth level</a:t>
             </a:r>
           </a:p>
           <a:p>
             <a:pPr lvl="4"/>
             <a:r>
-              <a:rPr lang="en-US"/>
+              <a:rPr lang="en-US" smtClean="0"/>
               <a:t>Fifth level</a:t>
             </a:r>
+            <a:endParaRPr lang="en-US"/>
           </a:p>
         </p:txBody>
       </p:sp>
@@ -477,7 +465,7 @@
           <a:p>
             <a:fld id="{5BCAD085-E8A6-8845-BD4E-CB4CCA059FC4}" type="datetimeFigureOut">
               <a:rPr lang="en-US" smtClean="0"/>
-              <a:t>9/17/2025</a:t>
+              <a:t>1/27/13</a:t>
             </a:fld>
             <a:endParaRPr lang="en-US"/>
           </a:p>
@@ -576,9 +564,10 @@
           <a:lstStyle/>
           <a:p>
             <a:r>
-              <a:rPr lang="en-US"/>
+              <a:rPr lang="en-US" smtClean="0"/>
               <a:t>Click to edit Master title style</a:t>
             </a:r>
+            <a:endParaRPr lang="en-US"/>
           </a:p>
         </p:txBody>
       </p:sp>
@@ -604,37 +593,38 @@
           <a:p>
             <a:pPr lvl="0"/>
             <a:r>
-              <a:rPr lang="en-US"/>
+              <a:rPr lang="en-US" smtClean="0"/>
               <a:t>Click to edit Master text styles</a:t>
             </a:r>
           </a:p>
           <a:p>
             <a:pPr lvl="1"/>
             <a:r>
-              <a:rPr lang="en-US"/>
+              <a:rPr lang="en-US" smtClean="0"/>
               <a:t>Second level</a:t>
             </a:r>
           </a:p>
           <a:p>
             <a:pPr lvl="2"/>
             <a:r>
-              <a:rPr lang="en-US"/>
+              <a:rPr lang="en-US" smtClean="0"/>
               <a:t>Third level</a:t>
             </a:r>
           </a:p>
           <a:p>
             <a:pPr lvl="3"/>
             <a:r>
-              <a:rPr lang="en-US"/>
+              <a:rPr lang="en-US" smtClean="0"/>
               <a:t>Fourth level</a:t>
             </a:r>
           </a:p>
           <a:p>
             <a:pPr lvl="4"/>
             <a:r>
-              <a:rPr lang="en-US"/>
+              <a:rPr lang="en-US" smtClean="0"/>
               <a:t>Fifth level</a:t>
             </a:r>
+            <a:endParaRPr lang="en-US"/>
           </a:p>
         </p:txBody>
       </p:sp>
@@ -655,7 +645,7 @@
           <a:p>
             <a:fld id="{5BCAD085-E8A6-8845-BD4E-CB4CCA059FC4}" type="datetimeFigureOut">
               <a:rPr lang="en-US" smtClean="0"/>
-              <a:t>9/17/2025</a:t>
+              <a:t>1/27/13</a:t>
             </a:fld>
             <a:endParaRPr lang="en-US"/>
           </a:p>
@@ -749,9 +739,10 @@
           <a:lstStyle/>
           <a:p>
             <a:r>
-              <a:rPr lang="en-US"/>
+              <a:rPr lang="en-US" smtClean="0"/>
               <a:t>Click to edit Master title style</a:t>
             </a:r>
+            <a:endParaRPr lang="en-US"/>
           </a:p>
         </p:txBody>
       </p:sp>
@@ -772,37 +763,38 @@
           <a:p>
             <a:pPr lvl="0"/>
             <a:r>
-              <a:rPr lang="en-US"/>
+              <a:rPr lang="en-US" smtClean="0"/>
               <a:t>Click to edit Master text styles</a:t>
             </a:r>
           </a:p>
           <a:p>
             <a:pPr lvl="1"/>
             <a:r>
-              <a:rPr lang="en-US"/>
+              <a:rPr lang="en-US" smtClean="0"/>
               <a:t>Second level</a:t>
             </a:r>
           </a:p>
           <a:p>
             <a:pPr lvl="2"/>
             <a:r>
-              <a:rPr lang="en-US"/>
+              <a:rPr lang="en-US" smtClean="0"/>
               <a:t>Third level</a:t>
             </a:r>
           </a:p>
           <a:p>
             <a:pPr lvl="3"/>
             <a:r>
-              <a:rPr lang="en-US"/>
+              <a:rPr lang="en-US" smtClean="0"/>
               <a:t>Fourth level</a:t>
             </a:r>
           </a:p>
           <a:p>
             <a:pPr lvl="4"/>
             <a:r>
-              <a:rPr lang="en-US"/>
+              <a:rPr lang="en-US" smtClean="0"/>
               <a:t>Fifth level</a:t>
             </a:r>
+            <a:endParaRPr lang="en-US"/>
           </a:p>
         </p:txBody>
       </p:sp>
@@ -823,7 +815,7 @@
           <a:p>
             <a:fld id="{5BCAD085-E8A6-8845-BD4E-CB4CCA059FC4}" type="datetimeFigureOut">
               <a:rPr lang="en-US" smtClean="0"/>
-              <a:t>9/17/2025</a:t>
+              <a:t>1/27/13</a:t>
             </a:fld>
             <a:endParaRPr lang="en-US"/>
           </a:p>
@@ -926,9 +918,10 @@
           </a:lstStyle>
           <a:p>
             <a:r>
-              <a:rPr lang="en-US"/>
+              <a:rPr lang="en-US" smtClean="0"/>
               <a:t>Click to edit Master title style</a:t>
             </a:r>
+            <a:endParaRPr lang="en-US"/>
           </a:p>
         </p:txBody>
       </p:sp>
@@ -1045,7 +1038,7 @@
           <a:p>
             <a:pPr lvl="0"/>
             <a:r>
-              <a:rPr lang="en-US"/>
+              <a:rPr lang="en-US" smtClean="0"/>
               <a:t>Click to edit Master text styles</a:t>
             </a:r>
           </a:p>
@@ -1068,7 +1061,7 @@
           <a:p>
             <a:fld id="{5BCAD085-E8A6-8845-BD4E-CB4CCA059FC4}" type="datetimeFigureOut">
               <a:rPr lang="en-US" smtClean="0"/>
-              <a:t>9/17/2025</a:t>
+              <a:t>1/27/13</a:t>
             </a:fld>
             <a:endParaRPr lang="en-US"/>
           </a:p>
@@ -1162,9 +1155,10 @@
           <a:lstStyle/>
           <a:p>
             <a:r>
-              <a:rPr lang="en-US"/>
+              <a:rPr lang="en-US" smtClean="0"/>
               <a:t>Click to edit Master title style</a:t>
             </a:r>
+            <a:endParaRPr lang="en-US"/>
           </a:p>
         </p:txBody>
       </p:sp>
@@ -1218,37 +1212,38 @@
           <a:p>
             <a:pPr lvl="0"/>
             <a:r>
-              <a:rPr lang="en-US"/>
+              <a:rPr lang="en-US" smtClean="0"/>
               <a:t>Click to edit Master text styles</a:t>
             </a:r>
           </a:p>
           <a:p>
             <a:pPr lvl="1"/>
             <a:r>
-              <a:rPr lang="en-US"/>
+              <a:rPr lang="en-US" smtClean="0"/>
               <a:t>Second level</a:t>
             </a:r>
           </a:p>
           <a:p>
             <a:pPr lvl="2"/>
             <a:r>
-              <a:rPr lang="en-US"/>
+              <a:rPr lang="en-US" smtClean="0"/>
               <a:t>Third level</a:t>
             </a:r>
           </a:p>
           <a:p>
             <a:pPr lvl="3"/>
             <a:r>
-              <a:rPr lang="en-US"/>
+              <a:rPr lang="en-US" smtClean="0"/>
               <a:t>Fourth level</a:t>
             </a:r>
           </a:p>
           <a:p>
             <a:pPr lvl="4"/>
             <a:r>
-              <a:rPr lang="en-US"/>
+              <a:rPr lang="en-US" smtClean="0"/>
               <a:t>Fifth level</a:t>
             </a:r>
+            <a:endParaRPr lang="en-US"/>
           </a:p>
         </p:txBody>
       </p:sp>
@@ -1302,37 +1297,38 @@
           <a:p>
             <a:pPr lvl="0"/>
             <a:r>
-              <a:rPr lang="en-US"/>
+              <a:rPr lang="en-US" smtClean="0"/>
               <a:t>Click to edit Master text styles</a:t>
             </a:r>
           </a:p>
           <a:p>
             <a:pPr lvl="1"/>
             <a:r>
-              <a:rPr lang="en-US"/>
+              <a:rPr lang="en-US" smtClean="0"/>
               <a:t>Second level</a:t>
             </a:r>
           </a:p>
           <a:p>
             <a:pPr lvl="2"/>
             <a:r>
-              <a:rPr lang="en-US"/>
+              <a:rPr lang="en-US" smtClean="0"/>
               <a:t>Third level</a:t>
             </a:r>
           </a:p>
           <a:p>
             <a:pPr lvl="3"/>
             <a:r>
-              <a:rPr lang="en-US"/>
+              <a:rPr lang="en-US" smtClean="0"/>
               <a:t>Fourth level</a:t>
             </a:r>
           </a:p>
           <a:p>
             <a:pPr lvl="4"/>
             <a:r>
-              <a:rPr lang="en-US"/>
+              <a:rPr lang="en-US" smtClean="0"/>
               <a:t>Fifth level</a:t>
             </a:r>
+            <a:endParaRPr lang="en-US"/>
           </a:p>
         </p:txBody>
       </p:sp>
@@ -1353,7 +1349,7 @@
           <a:p>
             <a:fld id="{5BCAD085-E8A6-8845-BD4E-CB4CCA059FC4}" type="datetimeFigureOut">
               <a:rPr lang="en-US" smtClean="0"/>
-              <a:t>9/17/2025</a:t>
+              <a:t>1/27/13</a:t>
             </a:fld>
             <a:endParaRPr lang="en-US"/>
           </a:p>
@@ -1451,9 +1447,10 @@
           </a:lstStyle>
           <a:p>
             <a:r>
-              <a:rPr lang="en-US"/>
+              <a:rPr lang="en-US" smtClean="0"/>
               <a:t>Click to edit Master title style</a:t>
             </a:r>
+            <a:endParaRPr lang="en-US"/>
           </a:p>
         </p:txBody>
       </p:sp>
@@ -1516,7 +1513,7 @@
           <a:p>
             <a:pPr lvl="0"/>
             <a:r>
-              <a:rPr lang="en-US"/>
+              <a:rPr lang="en-US" smtClean="0"/>
               <a:t>Click to edit Master text styles</a:t>
             </a:r>
           </a:p>
@@ -1572,37 +1569,38 @@
           <a:p>
             <a:pPr lvl="0"/>
             <a:r>
-              <a:rPr lang="en-US"/>
+              <a:rPr lang="en-US" smtClean="0"/>
               <a:t>Click to edit Master text styles</a:t>
             </a:r>
           </a:p>
           <a:p>
             <a:pPr lvl="1"/>
             <a:r>
-              <a:rPr lang="en-US"/>
+              <a:rPr lang="en-US" smtClean="0"/>
               <a:t>Second level</a:t>
             </a:r>
           </a:p>
           <a:p>
             <a:pPr lvl="2"/>
             <a:r>
-              <a:rPr lang="en-US"/>
+              <a:rPr lang="en-US" smtClean="0"/>
               <a:t>Third level</a:t>
             </a:r>
           </a:p>
           <a:p>
             <a:pPr lvl="3"/>
             <a:r>
-              <a:rPr lang="en-US"/>
+              <a:rPr lang="en-US" smtClean="0"/>
               <a:t>Fourth level</a:t>
             </a:r>
           </a:p>
           <a:p>
             <a:pPr lvl="4"/>
             <a:r>
-              <a:rPr lang="en-US"/>
+              <a:rPr lang="en-US" smtClean="0"/>
               <a:t>Fifth level</a:t>
             </a:r>
+            <a:endParaRPr lang="en-US"/>
           </a:p>
         </p:txBody>
       </p:sp>
@@ -1665,7 +1663,7 @@
           <a:p>
             <a:pPr lvl="0"/>
             <a:r>
-              <a:rPr lang="en-US"/>
+              <a:rPr lang="en-US" smtClean="0"/>
               <a:t>Click to edit Master text styles</a:t>
             </a:r>
           </a:p>
@@ -1721,37 +1719,38 @@
           <a:p>
             <a:pPr lvl="0"/>
             <a:r>
-              <a:rPr lang="en-US"/>
+              <a:rPr lang="en-US" smtClean="0"/>
               <a:t>Click to edit Master text styles</a:t>
             </a:r>
           </a:p>
           <a:p>
             <a:pPr lvl="1"/>
             <a:r>
-              <a:rPr lang="en-US"/>
+              <a:rPr lang="en-US" smtClean="0"/>
               <a:t>Second level</a:t>
             </a:r>
           </a:p>
           <a:p>
             <a:pPr lvl="2"/>
             <a:r>
-              <a:rPr lang="en-US"/>
+              <a:rPr lang="en-US" smtClean="0"/>
               <a:t>Third level</a:t>
             </a:r>
           </a:p>
           <a:p>
             <a:pPr lvl="3"/>
             <a:r>
-              <a:rPr lang="en-US"/>
+              <a:rPr lang="en-US" smtClean="0"/>
               <a:t>Fourth level</a:t>
             </a:r>
           </a:p>
           <a:p>
             <a:pPr lvl="4"/>
             <a:r>
-              <a:rPr lang="en-US"/>
+              <a:rPr lang="en-US" smtClean="0"/>
               <a:t>Fifth level</a:t>
             </a:r>
+            <a:endParaRPr lang="en-US"/>
           </a:p>
         </p:txBody>
       </p:sp>
@@ -1772,7 +1771,7 @@
           <a:p>
             <a:fld id="{5BCAD085-E8A6-8845-BD4E-CB4CCA059FC4}" type="datetimeFigureOut">
               <a:rPr lang="en-US" smtClean="0"/>
-              <a:t>9/17/2025</a:t>
+              <a:t>1/27/13</a:t>
             </a:fld>
             <a:endParaRPr lang="en-US"/>
           </a:p>
@@ -1866,9 +1865,10 @@
           <a:lstStyle/>
           <a:p>
             <a:r>
-              <a:rPr lang="en-US"/>
+              <a:rPr lang="en-US" smtClean="0"/>
               <a:t>Click to edit Master title style</a:t>
             </a:r>
+            <a:endParaRPr lang="en-US"/>
           </a:p>
         </p:txBody>
       </p:sp>
@@ -1889,7 +1889,7 @@
           <a:p>
             <a:fld id="{5BCAD085-E8A6-8845-BD4E-CB4CCA059FC4}" type="datetimeFigureOut">
               <a:rPr lang="en-US" smtClean="0"/>
-              <a:t>9/17/2025</a:t>
+              <a:t>1/27/13</a:t>
             </a:fld>
             <a:endParaRPr lang="en-US"/>
           </a:p>
@@ -1984,7 +1984,7 @@
           <a:p>
             <a:fld id="{5BCAD085-E8A6-8845-BD4E-CB4CCA059FC4}" type="datetimeFigureOut">
               <a:rPr lang="en-US" smtClean="0"/>
-              <a:t>9/17/2025</a:t>
+              <a:t>1/27/13</a:t>
             </a:fld>
             <a:endParaRPr lang="en-US"/>
           </a:p>
@@ -2087,9 +2087,10 @@
           </a:lstStyle>
           <a:p>
             <a:r>
-              <a:rPr lang="en-US"/>
+              <a:rPr lang="en-US" smtClean="0"/>
               <a:t>Click to edit Master title style</a:t>
             </a:r>
+            <a:endParaRPr lang="en-US"/>
           </a:p>
         </p:txBody>
       </p:sp>
@@ -2143,37 +2144,38 @@
           <a:p>
             <a:pPr lvl="0"/>
             <a:r>
-              <a:rPr lang="en-US"/>
+              <a:rPr lang="en-US" smtClean="0"/>
               <a:t>Click to edit Master text styles</a:t>
             </a:r>
           </a:p>
           <a:p>
             <a:pPr lvl="1"/>
             <a:r>
-              <a:rPr lang="en-US"/>
+              <a:rPr lang="en-US" smtClean="0"/>
               <a:t>Second level</a:t>
             </a:r>
           </a:p>
           <a:p>
             <a:pPr lvl="2"/>
             <a:r>
-              <a:rPr lang="en-US"/>
+              <a:rPr lang="en-US" smtClean="0"/>
               <a:t>Third level</a:t>
             </a:r>
           </a:p>
           <a:p>
             <a:pPr lvl="3"/>
             <a:r>
-              <a:rPr lang="en-US"/>
+              <a:rPr lang="en-US" smtClean="0"/>
               <a:t>Fourth level</a:t>
             </a:r>
           </a:p>
           <a:p>
             <a:pPr lvl="4"/>
             <a:r>
-              <a:rPr lang="en-US"/>
+              <a:rPr lang="en-US" smtClean="0"/>
               <a:t>Fifth level</a:t>
             </a:r>
+            <a:endParaRPr lang="en-US"/>
           </a:p>
         </p:txBody>
       </p:sp>
@@ -2236,7 +2238,7 @@
           <a:p>
             <a:pPr lvl="0"/>
             <a:r>
-              <a:rPr lang="en-US"/>
+              <a:rPr lang="en-US" smtClean="0"/>
               <a:t>Click to edit Master text styles</a:t>
             </a:r>
           </a:p>
@@ -2259,7 +2261,7 @@
           <a:p>
             <a:fld id="{5BCAD085-E8A6-8845-BD4E-CB4CCA059FC4}" type="datetimeFigureOut">
               <a:rPr lang="en-US" smtClean="0"/>
-              <a:t>9/17/2025</a:t>
+              <a:t>1/27/13</a:t>
             </a:fld>
             <a:endParaRPr lang="en-US"/>
           </a:p>
@@ -2362,9 +2364,10 @@
           </a:lstStyle>
           <a:p>
             <a:r>
-              <a:rPr lang="en-US"/>
+              <a:rPr lang="en-US" smtClean="0"/>
               <a:t>Click to edit Master title style</a:t>
             </a:r>
+            <a:endParaRPr lang="en-US"/>
           </a:p>
         </p:txBody>
       </p:sp>
@@ -2488,7 +2491,7 @@
           <a:p>
             <a:pPr lvl="0"/>
             <a:r>
-              <a:rPr lang="en-US"/>
+              <a:rPr lang="en-US" smtClean="0"/>
               <a:t>Click to edit Master text styles</a:t>
             </a:r>
           </a:p>
@@ -2511,7 +2514,7 @@
           <a:p>
             <a:fld id="{5BCAD085-E8A6-8845-BD4E-CB4CCA059FC4}" type="datetimeFigureOut">
               <a:rPr lang="en-US" smtClean="0"/>
-              <a:t>9/17/2025</a:t>
+              <a:t>1/27/13</a:t>
             </a:fld>
             <a:endParaRPr lang="en-US"/>
           </a:p>
@@ -2620,9 +2623,10 @@
           <a:lstStyle/>
           <a:p>
             <a:r>
-              <a:rPr lang="en-US"/>
+              <a:rPr lang="en-US" smtClean="0"/>
               <a:t>Click to edit Master title style</a:t>
             </a:r>
+            <a:endParaRPr lang="en-US"/>
           </a:p>
         </p:txBody>
       </p:sp>
@@ -2653,37 +2657,38 @@
           <a:p>
             <a:pPr lvl="0"/>
             <a:r>
-              <a:rPr lang="en-US"/>
+              <a:rPr lang="en-US" smtClean="0"/>
               <a:t>Click to edit Master text styles</a:t>
             </a:r>
           </a:p>
           <a:p>
             <a:pPr lvl="1"/>
             <a:r>
-              <a:rPr lang="en-US"/>
+              <a:rPr lang="en-US" smtClean="0"/>
               <a:t>Second level</a:t>
             </a:r>
           </a:p>
           <a:p>
             <a:pPr lvl="2"/>
             <a:r>
-              <a:rPr lang="en-US"/>
+              <a:rPr lang="en-US" smtClean="0"/>
               <a:t>Third level</a:t>
             </a:r>
           </a:p>
           <a:p>
             <a:pPr lvl="3"/>
             <a:r>
-              <a:rPr lang="en-US"/>
+              <a:rPr lang="en-US" smtClean="0"/>
               <a:t>Fourth level</a:t>
             </a:r>
           </a:p>
           <a:p>
             <a:pPr lvl="4"/>
             <a:r>
-              <a:rPr lang="en-US"/>
+              <a:rPr lang="en-US" smtClean="0"/>
               <a:t>Fifth level</a:t>
             </a:r>
+            <a:endParaRPr lang="en-US"/>
           </a:p>
         </p:txBody>
       </p:sp>
@@ -2722,7 +2727,7 @@
           <a:p>
             <a:fld id="{5BCAD085-E8A6-8845-BD4E-CB4CCA059FC4}" type="datetimeFigureOut">
               <a:rPr lang="en-US" smtClean="0"/>
-              <a:t>9/17/2025</a:t>
+              <a:t>1/27/13</a:t>
             </a:fld>
             <a:endParaRPr lang="en-US"/>
           </a:p>
@@ -3081,7 +3086,7 @@
 </file>
 
 <file path=ppt/slides/slide1.xml><?xml version="1.0" encoding="utf-8"?>
-<p:sld xmlns:a="http://schemas.openxmlformats.org/drawingml/2006/main" xmlns:r="http://schemas.openxmlformats.org/officeDocument/2006/relationships" xmlns:p="http://schemas.openxmlformats.org/presentationml/2006/main">
+<p:sld xmlns:a="http://schemas.openxmlformats.org/drawingml/2006/main" xmlns:p="http://schemas.openxmlformats.org/presentationml/2006/main" xmlns:r="http://schemas.openxmlformats.org/officeDocument/2006/relationships">
   <p:cSld>
     <p:spTree>
       <p:nvGrpSpPr>
@@ -3089,14 +3094,7 @@
         <p:cNvGrpSpPr/>
         <p:nvPr/>
       </p:nvGrpSpPr>
-      <p:grpSpPr>
-        <a:xfrm>
-          <a:off x="0" y="0"/>
-          <a:ext cx="0" cy="0"/>
-          <a:chOff x="0" y="0"/>
-          <a:chExt cx="0" cy="0"/>
-        </a:xfrm>
-      </p:grpSpPr>
+      <p:grpSpPr/>
       <p:sp>
         <p:nvSpPr>
           <p:cNvPr id="2" name="Title 1"/>
@@ -3160,8 +3158,8 @@
         </p:blipFill>
         <p:spPr>
           <a:xfrm>
-            <a:off x="7504176" y="137160"/>
-            <a:ext cx="1420368" cy="2130552"/>
+            <a:off x="6583680" y="457200"/>
+            <a:ext cx="1645920" cy="2468880"/>
           </a:xfrm>
           <a:prstGeom prst="rect">
             <a:avLst/>
@@ -3177,7 +3175,7 @@
 </file>
 
 <file path=ppt/slides/slide2.xml><?xml version="1.0" encoding="utf-8"?>
-<p:sld xmlns:a="http://schemas.openxmlformats.org/drawingml/2006/main" xmlns:r="http://schemas.openxmlformats.org/officeDocument/2006/relationships" xmlns:p="http://schemas.openxmlformats.org/presentationml/2006/main">
+<p:sld xmlns:a="http://schemas.openxmlformats.org/drawingml/2006/main" xmlns:p="http://schemas.openxmlformats.org/presentationml/2006/main" xmlns:r="http://schemas.openxmlformats.org/officeDocument/2006/relationships">
   <p:cSld>
     <p:spTree>
       <p:nvGrpSpPr>
@@ -3185,14 +3183,7 @@
         <p:cNvGrpSpPr/>
         <p:nvPr/>
       </p:nvGrpSpPr>
-      <p:grpSpPr>
-        <a:xfrm>
-          <a:off x="0" y="0"/>
-          <a:ext cx="0" cy="0"/>
-          <a:chOff x="0" y="0"/>
-          <a:chExt cx="0" cy="0"/>
-        </a:xfrm>
-      </p:grpSpPr>
+      <p:grpSpPr/>
       <p:sp>
         <p:nvSpPr>
           <p:cNvPr id="2" name="Title 1"/>
@@ -3229,21 +3220,25 @@
           <a:bodyPr/>
           <a:lstStyle/>
           <a:p>
+            <a:pPr/>
             <a:r>
               <a:t>Нет управленческой отчётности в одном окне</a:t>
             </a:r>
           </a:p>
           <a:p>
+            <a:pPr/>
             <a:r>
               <a:t>Слабая мотивация: нет связи KPI ↔ деньги</a:t>
             </a:r>
           </a:p>
           <a:p>
+            <a:pPr/>
             <a:r>
               <a:t>Слишком много инициатив без эффекта</a:t>
             </a:r>
           </a:p>
           <a:p>
+            <a:pPr/>
             <a:r>
               <a:t>Нужны быстрые победы без тяжёлого IT</a:t>
             </a:r>
@@ -3259,7 +3254,7 @@
 </file>
 
 <file path=ppt/slides/slide3.xml><?xml version="1.0" encoding="utf-8"?>
-<p:sld xmlns:a="http://schemas.openxmlformats.org/drawingml/2006/main" xmlns:r="http://schemas.openxmlformats.org/officeDocument/2006/relationships" xmlns:p="http://schemas.openxmlformats.org/presentationml/2006/main">
+<p:sld xmlns:a="http://schemas.openxmlformats.org/drawingml/2006/main" xmlns:p="http://schemas.openxmlformats.org/presentationml/2006/main" xmlns:r="http://schemas.openxmlformats.org/officeDocument/2006/relationships">
   <p:cSld>
     <p:spTree>
       <p:nvGrpSpPr>
@@ -3267,14 +3262,7 @@
         <p:cNvGrpSpPr/>
         <p:nvPr/>
       </p:nvGrpSpPr>
-      <p:grpSpPr>
-        <a:xfrm>
-          <a:off x="0" y="0"/>
-          <a:ext cx="0" cy="0"/>
-          <a:chOff x="0" y="0"/>
-          <a:chExt cx="0" cy="0"/>
-        </a:xfrm>
-      </p:grpSpPr>
+      <p:grpSpPr/>
       <p:sp>
         <p:nvSpPr>
           <p:cNvPr id="2" name="Title 1"/>
@@ -3311,16 +3299,19 @@
           <a:bodyPr/>
           <a:lstStyle/>
           <a:p>
+            <a:pPr/>
             <a:r>
               <a:t>Я прихожу как фракционный COO/CGO</a:t>
             </a:r>
           </a:p>
           <a:p>
+            <a:pPr/>
             <a:r>
               <a:t>За 12 недель запускаю 3–5 инициатив до денег</a:t>
             </a:r>
           </a:p>
           <a:p>
+            <a:pPr/>
             <a:r>
               <a:t>DPPM‑12: Данные → Люди → Процессы → Рынок</a:t>
             </a:r>
@@ -3336,7 +3327,7 @@
 </file>
 
 <file path=ppt/slides/slide4.xml><?xml version="1.0" encoding="utf-8"?>
-<p:sld xmlns:a="http://schemas.openxmlformats.org/drawingml/2006/main" xmlns:r="http://schemas.openxmlformats.org/officeDocument/2006/relationships" xmlns:p="http://schemas.openxmlformats.org/presentationml/2006/main">
+<p:sld xmlns:a="http://schemas.openxmlformats.org/drawingml/2006/main" xmlns:p="http://schemas.openxmlformats.org/presentationml/2006/main" xmlns:r="http://schemas.openxmlformats.org/officeDocument/2006/relationships">
   <p:cSld>
     <p:spTree>
       <p:nvGrpSpPr>
@@ -3344,14 +3335,7 @@
         <p:cNvGrpSpPr/>
         <p:nvPr/>
       </p:nvGrpSpPr>
-      <p:grpSpPr>
-        <a:xfrm>
-          <a:off x="0" y="0"/>
-          <a:ext cx="0" cy="0"/>
-          <a:chOff x="0" y="0"/>
-          <a:chExt cx="0" cy="0"/>
-        </a:xfrm>
-      </p:grpSpPr>
+      <p:grpSpPr/>
       <p:sp>
         <p:nvSpPr>
           <p:cNvPr id="2" name="Title 1"/>
@@ -3388,21 +3372,25 @@
           <a:bodyPr/>
           <a:lstStyle/>
           <a:p>
+            <a:pPr/>
             <a:r>
               <a:t>Диагностика прибыли 10 дней (₽90–150k)</a:t>
             </a:r>
           </a:p>
           <a:p>
+            <a:pPr/>
             <a:r>
               <a:t>Внедрение 12 недель (₽450–900k или ₽250–400k/мес + KPI‑бонус)</a:t>
             </a:r>
           </a:p>
           <a:p>
+            <a:pPr/>
             <a:r>
               <a:t>Operate 6–12 мес (≤2 клиента)</a:t>
             </a:r>
           </a:p>
           <a:p>
+            <a:pPr/>
             <a:r>
               <a:t>Data‑Block 3 недели | Sales‑Boost 4 недели</a:t>
             </a:r>
@@ -3418,7 +3406,7 @@
 </file>
 
 <file path=ppt/slides/slide5.xml><?xml version="1.0" encoding="utf-8"?>
-<p:sld xmlns:a="http://schemas.openxmlformats.org/drawingml/2006/main" xmlns:r="http://schemas.openxmlformats.org/officeDocument/2006/relationships" xmlns:p="http://schemas.openxmlformats.org/presentationml/2006/main">
+<p:sld xmlns:a="http://schemas.openxmlformats.org/drawingml/2006/main" xmlns:p="http://schemas.openxmlformats.org/presentationml/2006/main" xmlns:r="http://schemas.openxmlformats.org/officeDocument/2006/relationships">
   <p:cSld>
     <p:spTree>
       <p:nvGrpSpPr>
@@ -3426,14 +3414,7 @@
         <p:cNvGrpSpPr/>
         <p:nvPr/>
       </p:nvGrpSpPr>
-      <p:grpSpPr>
-        <a:xfrm>
-          <a:off x="0" y="0"/>
-          <a:ext cx="0" cy="0"/>
-          <a:chOff x="0" y="0"/>
-          <a:chExt cx="0" cy="0"/>
-        </a:xfrm>
-      </p:grpSpPr>
+      <p:grpSpPr/>
       <p:sp>
         <p:nvSpPr>
           <p:cNvPr id="2" name="Title 1"/>
@@ -3470,21 +3451,25 @@
           <a:bodyPr/>
           <a:lstStyle/>
           <a:p>
+            <a:pPr/>
             <a:r>
               <a:t>Автодилеры 3–10 салонов</a:t>
             </a:r>
           </a:p>
           <a:p>
+            <a:pPr/>
             <a:r>
               <a:t>Девелоперы/подрядчики ₽1–10 млрд</a:t>
             </a:r>
           </a:p>
           <a:p>
+            <a:pPr/>
             <a:r>
               <a:t>HoReCa 5–20 точек</a:t>
             </a:r>
           </a:p>
           <a:p>
+            <a:pPr/>
             <a:r>
               <a:t>E‑commerce/ритейл ₽200–800 млн</a:t>
             </a:r>
@@ -3500,7 +3485,7 @@
 </file>
 
 <file path=ppt/slides/slide6.xml><?xml version="1.0" encoding="utf-8"?>
-<p:sld xmlns:a="http://schemas.openxmlformats.org/drawingml/2006/main" xmlns:r="http://schemas.openxmlformats.org/officeDocument/2006/relationships" xmlns:p="http://schemas.openxmlformats.org/presentationml/2006/main">
+<p:sld xmlns:a="http://schemas.openxmlformats.org/drawingml/2006/main" xmlns:p="http://schemas.openxmlformats.org/presentationml/2006/main" xmlns:r="http://schemas.openxmlformats.org/officeDocument/2006/relationships">
   <p:cSld>
     <p:spTree>
       <p:nvGrpSpPr>
@@ -3508,14 +3493,7 @@
         <p:cNvGrpSpPr/>
         <p:nvPr/>
       </p:nvGrpSpPr>
-      <p:grpSpPr>
-        <a:xfrm>
-          <a:off x="0" y="0"/>
-          <a:ext cx="0" cy="0"/>
-          <a:chOff x="0" y="0"/>
-          <a:chExt cx="0" cy="0"/>
-        </a:xfrm>
-      </p:grpSpPr>
+      <p:grpSpPr/>
       <p:sp>
         <p:nvSpPr>
           <p:cNvPr id="2" name="Title 1"/>
@@ -3552,21 +3530,25 @@
           <a:bodyPr/>
           <a:lstStyle/>
           <a:p>
+            <a:pPr/>
             <a:r>
               <a:t>Рынок: доля до 33% (банк)</a:t>
             </a:r>
           </a:p>
           <a:p>
+            <a:pPr/>
             <a:r>
               <a:t>DIY: запуск B2B‑канала с нуля</a:t>
             </a:r>
           </a:p>
           <a:p>
+            <a:pPr/>
             <a:r>
               <a:t>Авто: конверсия до 27% + отчётность</a:t>
             </a:r>
           </a:p>
           <a:p>
+            <a:pPr/>
             <a:r>
               <a:t>1600+ интервью, 1000+ наймов</a:t>
             </a:r>
@@ -3582,7 +3564,7 @@
 </file>
 
 <file path=ppt/slides/slide7.xml><?xml version="1.0" encoding="utf-8"?>
-<p:sld xmlns:a="http://schemas.openxmlformats.org/drawingml/2006/main" xmlns:r="http://schemas.openxmlformats.org/officeDocument/2006/relationships" xmlns:p="http://schemas.openxmlformats.org/presentationml/2006/main">
+<p:sld xmlns:a="http://schemas.openxmlformats.org/drawingml/2006/main" xmlns:p="http://schemas.openxmlformats.org/presentationml/2006/main" xmlns:r="http://schemas.openxmlformats.org/officeDocument/2006/relationships">
   <p:cSld>
     <p:spTree>
       <p:nvGrpSpPr>
@@ -3590,14 +3572,7 @@
         <p:cNvGrpSpPr/>
         <p:nvPr/>
       </p:nvGrpSpPr>
-      <p:grpSpPr>
-        <a:xfrm>
-          <a:off x="0" y="0"/>
-          <a:ext cx="0" cy="0"/>
-          <a:chOff x="0" y="0"/>
-          <a:chExt cx="0" cy="0"/>
-        </a:xfrm>
-      </p:grpSpPr>
+      <p:grpSpPr/>
       <p:sp>
         <p:nvSpPr>
           <p:cNvPr id="2" name="Title 1"/>
@@ -3634,21 +3609,25 @@
           <a:bodyPr/>
           <a:lstStyle/>
           <a:p>
+            <a:pPr/>
             <a:r>
               <a:t>6 спринтов × 2 недели</a:t>
             </a:r>
           </a:p>
           <a:p>
+            <a:pPr/>
             <a:r>
               <a:t>Пн 09:00 цели → Пт 17:00 «борд фактов»</a:t>
             </a:r>
           </a:p>
           <a:p>
+            <a:pPr/>
             <a:r>
               <a:t>WIP ≤ 3, weekly «голос поля»</a:t>
             </a:r>
           </a:p>
           <a:p>
+            <a:pPr/>
             <a:r>
               <a:t>Прозрачность эффектов и ROI</a:t>
             </a:r>
@@ -3664,7 +3643,7 @@
 </file>
 
 <file path=ppt/slides/slide8.xml><?xml version="1.0" encoding="utf-8"?>
-<p:sld xmlns:a="http://schemas.openxmlformats.org/drawingml/2006/main" xmlns:r="http://schemas.openxmlformats.org/officeDocument/2006/relationships" xmlns:p="http://schemas.openxmlformats.org/presentationml/2006/main">
+<p:sld xmlns:a="http://schemas.openxmlformats.org/drawingml/2006/main" xmlns:p="http://schemas.openxmlformats.org/presentationml/2006/main" xmlns:r="http://schemas.openxmlformats.org/officeDocument/2006/relationships">
   <p:cSld>
     <p:spTree>
       <p:nvGrpSpPr>
@@ -3672,14 +3651,7 @@
         <p:cNvGrpSpPr/>
         <p:nvPr/>
       </p:nvGrpSpPr>
-      <p:grpSpPr>
-        <a:xfrm>
-          <a:off x="0" y="0"/>
-          <a:ext cx="0" cy="0"/>
-          <a:chOff x="0" y="0"/>
-          <a:chExt cx="0" cy="0"/>
-        </a:xfrm>
-      </p:grpSpPr>
+      <p:grpSpPr/>
       <p:sp>
         <p:nvSpPr>
           <p:cNvPr id="2" name="Title 1"/>
@@ -3716,21 +3688,25 @@
           <a:bodyPr/>
           <a:lstStyle/>
           <a:p>
+            <a:pPr/>
             <a:r>
               <a:t>Евгений Чапурин — операционный партнёр собственника (CFG)</a:t>
             </a:r>
           </a:p>
           <a:p>
+            <a:pPr/>
             <a:r>
               <a:t>25+ проектов: банки, DIY, авто, девелопмент, HoReCa, e‑commerce</a:t>
             </a:r>
           </a:p>
           <a:p>
+            <a:pPr/>
             <a:r>
               <a:t>1600+ интервью, 1000+ наймов</a:t>
             </a:r>
           </a:p>
           <a:p>
+            <a:pPr/>
             <a:r>
               <a:t>ИП Чапурин Е.А., ОГРНИП 324385000032592, ИНН 380121912339, УСН 6%</a:t>
             </a:r>
